--- a/outputs/김진욱.pptx
+++ b/outputs/김진욱.pptx
@@ -13320,14 +13320,14 @@
       </p:sp>
       <p:sp>
         <p:nvSpPr>
-          <p:cNvPr id="14" name="TextBox 13"/>
+          <p:cNvPr id="5" name="TextBox 4"/>
           <p:cNvSpPr txBox="1"/>
           <p:nvPr/>
         </p:nvSpPr>
         <p:spPr>
           <a:xfrm>
-            <a:off x="2612084" y="2451525"/>
-            <a:ext cx="6212601" cy="1938992"/>
+            <a:off x="2303872" y="2397191"/>
+            <a:ext cx="8416375" cy="1938992"/>
           </a:xfrm>
           <a:prstGeom prst="rect">
             <a:avLst/>
@@ -13346,7 +13346,7 @@
             </a:r>
             <a:r>
               <a:rPr lang="ko-KR" altLang="en-US" sz="2400" b="1" dirty="0" smtClean="0"/>
-              <a:t> 상품 정보 공유 및 판매를 통해</a:t>
+              <a:t> 상품을 사고 팔 수 있는 거래 공간을 제공하여</a:t>
             </a:r>
             <a:endParaRPr lang="en-US" altLang="ko-KR" sz="2400" b="1" dirty="0" smtClean="0"/>
           </a:p>
@@ -13356,7 +13356,7 @@
           <a:p>
             <a:r>
               <a:rPr lang="ko-KR" altLang="en-US" sz="2400" b="1" dirty="0" smtClean="0"/>
-              <a:t>점주는 버려지는 음식을 줄이고 </a:t>
+              <a:t>점주는 폐기하는 상품의 양을 줄이고 </a:t>
             </a:r>
             <a:endParaRPr lang="en-US" altLang="ko-KR" sz="2400" b="1" dirty="0" smtClean="0"/>
           </a:p>
@@ -13366,7 +13366,15 @@
           <a:p>
             <a:r>
               <a:rPr lang="ko-KR" altLang="en-US" sz="2400" b="1" dirty="0" smtClean="0"/>
-              <a:t>고객은 음식을 저렴하게 구매 </a:t>
+              <a:t>고객은 상품을 </a:t>
+            </a:r>
+            <a:r>
+              <a:rPr lang="ko-KR" altLang="en-US" sz="2400" b="1" dirty="0" err="1" smtClean="0"/>
+              <a:t>부담없는</a:t>
+            </a:r>
+            <a:r>
+              <a:rPr lang="ko-KR" altLang="en-US" sz="2400" b="1" dirty="0" smtClean="0"/>
+              <a:t> 가격으로 구매</a:t>
             </a:r>
             <a:endParaRPr lang="ko-KR" altLang="en-US" sz="2400" b="1" dirty="0"/>
           </a:p>
@@ -13375,7 +13383,7 @@
     </p:spTree>
     <p:extLst>
       <p:ext uri="{BB962C8B-B14F-4D97-AF65-F5344CB8AC3E}">
-        <p14:creationId xmlns:p14="http://schemas.microsoft.com/office/powerpoint/2010/main" val="779498922"/>
+        <p14:creationId xmlns:p14="http://schemas.microsoft.com/office/powerpoint/2010/main" val="3485780398"/>
       </p:ext>
     </p:extLst>
   </p:cSld>
@@ -13515,7 +13523,7 @@
             </a:r>
             <a:r>
               <a:rPr lang="ko-KR" altLang="en-US" sz="2400" b="1" dirty="0" smtClean="0"/>
-              <a:t>식비에 부담을 느끼는 고객을 위한 할인 상품 정보 제공</a:t>
+              <a:t>식비에 부담을 느끼는 고객을 위한 온라인 거래 공간 제공</a:t>
             </a:r>
             <a:endParaRPr lang="ko-KR" altLang="en-US" sz="2400" b="1" dirty="0"/>
           </a:p>
@@ -13524,7 +13532,7 @@
     </p:spTree>
     <p:extLst>
       <p:ext uri="{BB962C8B-B14F-4D97-AF65-F5344CB8AC3E}">
-        <p14:creationId xmlns:p14="http://schemas.microsoft.com/office/powerpoint/2010/main" val="605445033"/>
+        <p14:creationId xmlns:p14="http://schemas.microsoft.com/office/powerpoint/2010/main" val="3287110156"/>
       </p:ext>
     </p:extLst>
   </p:cSld>
@@ -14747,11 +14755,7 @@
           <a:p>
             <a:r>
               <a:rPr lang="en-US" altLang="ko-KR" sz="3600" b="1" dirty="0" smtClean="0"/>
-              <a:t>2.</a:t>
-            </a:r>
-            <a:r>
-              <a:rPr lang="en-US" altLang="ko-KR" sz="3600" b="1" dirty="0" smtClean="0"/>
-              <a:t>2.</a:t>
+              <a:t>2.2.</a:t>
             </a:r>
             <a:r>
               <a:rPr lang="ko-KR" altLang="en-US" sz="3600" b="1" dirty="0" smtClean="0"/>
@@ -20388,7 +20392,6 @@
               <a:rPr lang="ko-KR" altLang="en-US" sz="3600" b="1" u="sng" dirty="0"/>
               <a:t>설계</a:t>
             </a:r>
-            <a:endParaRPr lang="ko-KR" altLang="en-US" sz="3600" b="1" u="sng" dirty="0"/>
           </a:p>
         </p:txBody>
       </p:sp>
